--- a/PPT/PyQt01-Intro.pptx
+++ b/PPT/PyQt01-Intro.pptx
@@ -4479,8 +4479,9 @@
             </a:r>
             <a:r>
               <a:rPr lang="fr-FR"/>
-              <a:t> PyQt6-tools</a:t>
-            </a:r>
+              <a:t> pyqt6-tools</a:t>
+            </a:r>
+            <a:endParaRPr lang="fr-FR" dirty="0"/>
           </a:p>
         </p:txBody>
       </p:sp>
